--- a/lessons/Lesson_4.pptx
+++ b/lessons/Lesson_4.pptx
@@ -25,16 +25,16 @@
   <p:notesSz cx="6858000" cy="9144000"/>
   <p:embeddedFontLst>
     <p:embeddedFont>
-      <p:font typeface="Microsoft YaHei UI" panose="020B0503020204020204" pitchFamily="34" charset="-122"/>
+      <p:font typeface="Nunito Sans" panose="020B0604020202020204" charset="0"/>
       <p:regular r:id="rId15"/>
       <p:bold r:id="rId16"/>
+      <p:italic r:id="rId17"/>
+      <p:boldItalic r:id="rId18"/>
     </p:embeddedFont>
     <p:embeddedFont>
-      <p:font typeface="Nunito Sans" panose="020B0604020202020204" charset="0"/>
-      <p:regular r:id="rId17"/>
-      <p:bold r:id="rId18"/>
-      <p:italic r:id="rId19"/>
-      <p:boldItalic r:id="rId20"/>
+      <p:font typeface="Microsoft YaHei UI" panose="020B0503020204020204" pitchFamily="34" charset="-122"/>
+      <p:regular r:id="rId19"/>
+      <p:bold r:id="rId20"/>
     </p:embeddedFont>
     <p:embeddedFont>
       <p:font typeface="Calibri" panose="020F0502020204030204" pitchFamily="34" charset="0"/>
@@ -7181,30 +7181,9 @@
             </a:r>
             <a:r>
               <a:rPr lang="en-US" dirty="0" smtClean="0"/>
-              <a:t>Pomodoro App</a:t>
+              <a:t>Task List Web App documentation and identify all the Design pattern inside the code</a:t>
             </a:r>
-          </a:p>
-          <a:p>
-            <a:r>
-              <a:rPr lang="en-US" dirty="0" smtClean="0"/>
-              <a:t>Try to change the </a:t>
-            </a:r>
-            <a:r>
-              <a:rPr lang="en-US" dirty="0" err="1" smtClean="0"/>
-              <a:t>config</a:t>
-            </a:r>
-            <a:r>
-              <a:rPr lang="en-US" dirty="0" err="1"/>
-              <a:t>.</a:t>
-            </a:r>
-            <a:r>
-              <a:rPr lang="en-US" dirty="0" err="1" smtClean="0"/>
-              <a:t>json</a:t>
-            </a:r>
-            <a:r>
-              <a:rPr lang="en-US" dirty="0" smtClean="0"/>
-              <a:t> colors and strings and re-run the Pomodoro App</a:t>
-            </a:r>
+            <a:endParaRPr lang="en-US" dirty="0" smtClean="0"/>
           </a:p>
         </p:txBody>
       </p:sp>
@@ -7261,7 +7240,17 @@
                 <a:latin typeface="Courier New" panose="02070309020205020404" pitchFamily="49" charset="0"/>
                 <a:cs typeface="Courier New" panose="02070309020205020404" pitchFamily="49" charset="0"/>
               </a:rPr>
-              <a:t>./ComputerProgrammingBasic/exercise3/Exercise_3.pptx</a:t>
+              <a:t>./</a:t>
+            </a:r>
+            <a:r>
+              <a:rPr lang="it-IT" sz="800" dirty="0" smtClean="0">
+                <a:solidFill>
+                  <a:srgbClr val="FA8006"/>
+                </a:solidFill>
+                <a:latin typeface="Courier New" panose="02070309020205020404" pitchFamily="49" charset="0"/>
+                <a:cs typeface="Courier New" panose="02070309020205020404" pitchFamily="49" charset="0"/>
+              </a:rPr>
+              <a:t>ComputerProgrammingBasic/exercise4/Exercise_4.pptx</a:t>
             </a:r>
             <a:endParaRPr lang="en" sz="800" dirty="0">
               <a:solidFill>
@@ -7282,13 +7271,14 @@
               <a:t>Read </a:t>
             </a:r>
             <a:r>
-              <a:rPr lang="en" smtClean="0"/>
-              <a:t>Pomodoro Timer class </a:t>
+              <a:rPr lang="en" dirty="0" smtClean="0"/>
+              <a:t>Event</a:t>
             </a:r>
             <a:r>
               <a:rPr lang="en" dirty="0" smtClean="0"/>
-              <a:t>documentation</a:t>
+              <a:t> documentation</a:t>
             </a:r>
+            <a:endParaRPr lang="en" dirty="0" smtClean="0"/>
           </a:p>
           <a:p>
             <a:pPr marL="457200" lvl="3" indent="-342900">
@@ -7298,8 +7288,13 @@
             </a:pPr>
             <a:r>
               <a:rPr lang="en" dirty="0" smtClean="0"/>
-              <a:t>Read Countdown class documentation</a:t>
+              <a:t>Read </a:t>
             </a:r>
+            <a:r>
+              <a:rPr lang="en" dirty="0" smtClean="0"/>
+              <a:t>Model documentation</a:t>
+            </a:r>
+            <a:endParaRPr lang="en" dirty="0" smtClean="0"/>
           </a:p>
           <a:p>
             <a:pPr marL="457200" lvl="3" indent="-342900">
@@ -7309,8 +7304,13 @@
             </a:pPr>
             <a:r>
               <a:rPr lang="en" dirty="0" smtClean="0"/>
-              <a:t>Read Low Window class documentation</a:t>
+              <a:t>Read </a:t>
             </a:r>
+            <a:r>
+              <a:rPr lang="en" dirty="0" smtClean="0"/>
+              <a:t>Viewer documentation</a:t>
+            </a:r>
+            <a:endParaRPr lang="en" dirty="0" smtClean="0"/>
           </a:p>
           <a:p>
             <a:pPr marL="457200" lvl="3" indent="-342900">
@@ -7320,7 +7320,15 @@
             </a:pPr>
             <a:r>
               <a:rPr lang="en" dirty="0" smtClean="0"/>
-              <a:t>Read Config class documentation</a:t>
+              <a:t>Read </a:t>
+            </a:r>
+            <a:r>
+              <a:rPr lang="en" dirty="0" smtClean="0"/>
+              <a:t>Controller </a:t>
+            </a:r>
+            <a:r>
+              <a:rPr lang="en" dirty="0" smtClean="0"/>
+              <a:t>documentation</a:t>
             </a:r>
           </a:p>
           <a:p>
@@ -7337,8 +7345,13 @@
             </a:pPr>
             <a:r>
               <a:rPr lang="en" dirty="0" smtClean="0"/>
-              <a:t>Run the App</a:t>
+              <a:t>Run the </a:t>
             </a:r>
+            <a:r>
+              <a:rPr lang="en" dirty="0" smtClean="0"/>
+              <a:t>Web App</a:t>
+            </a:r>
+            <a:endParaRPr lang="en" dirty="0" smtClean="0"/>
           </a:p>
           <a:p>
             <a:pPr marL="457200" lvl="0" indent="-342900" rtl="0">
@@ -7354,8 +7367,9 @@
             </a:pPr>
             <a:r>
               <a:rPr lang="en" dirty="0" smtClean="0"/>
-              <a:t>Change the config.json and run the App</a:t>
+              <a:t>Identify all the Desing Pattern into the code</a:t>
             </a:r>
+            <a:endParaRPr lang="en" dirty="0" smtClean="0"/>
           </a:p>
           <a:p>
             <a:pPr marL="114300" lvl="0" rtl="0">
@@ -7513,7 +7527,7 @@
             </a:pPr>
             <a:r>
               <a:rPr lang="it-IT" dirty="0" smtClean="0"/>
-              <a:t>Refactor Config class improving readability: adding get APIs to hide the content of the data structure</a:t>
+              <a:t>Change the function to validate the Task Name adding decorator functionality based </a:t>
             </a:r>
             <a:endParaRPr lang="en" dirty="0"/>
           </a:p>
@@ -7563,7 +7577,7 @@
             </a:r>
             <a:r>
               <a:rPr lang="en" dirty="0" smtClean="0"/>
-              <a:t>Pomodoro Config</a:t>
+              <a:t>ValidateTask() function</a:t>
             </a:r>
             <a:endParaRPr lang="en" dirty="0"/>
           </a:p>
@@ -7579,7 +7593,17 @@
                 <a:latin typeface="Courier New" panose="02070309020205020404" pitchFamily="49" charset="0"/>
                 <a:cs typeface="Courier New" panose="02070309020205020404" pitchFamily="49" charset="0"/>
               </a:rPr>
-              <a:t>./ComputerProgrammingBasic/exercise3/config.py</a:t>
+              <a:t>./</a:t>
+            </a:r>
+            <a:r>
+              <a:rPr lang="it-IT" sz="800" dirty="0" smtClean="0">
+                <a:solidFill>
+                  <a:srgbClr val="FA8006"/>
+                </a:solidFill>
+                <a:latin typeface="Courier New" panose="02070309020205020404" pitchFamily="49" charset="0"/>
+                <a:cs typeface="Courier New" panose="02070309020205020404" pitchFamily="49" charset="0"/>
+              </a:rPr>
+              <a:t>ComputerProgrammingBasic/exercise4/TaskModel.js</a:t>
             </a:r>
             <a:endParaRPr lang="en" dirty="0" smtClean="0"/>
           </a:p>
@@ -7597,19 +7621,25 @@
                 <a:latin typeface="Microsoft YaHei UI" panose="020B0503020204020204" pitchFamily="34" charset="-122"/>
                 <a:ea typeface="Microsoft YaHei UI" panose="020B0503020204020204" pitchFamily="34" charset="-122"/>
               </a:rPr>
-              <a:t>get APIs </a:t>
+              <a:t>else if </a:t>
             </a:r>
             <a:r>
               <a:rPr lang="it-IT" dirty="0" smtClean="0">
                 <a:latin typeface="Microsoft YaHei UI" panose="020B0503020204020204" pitchFamily="34" charset="-122"/>
                 <a:ea typeface="Microsoft YaHei UI" panose="020B0503020204020204" pitchFamily="34" charset="-122"/>
               </a:rPr>
-              <a:t>to detacht the JSON data to the parameter</a:t>
+              <a:t>statement to decorate the task with different color and size based on its name</a:t>
             </a:r>
             <a:endParaRPr lang="en" dirty="0"/>
           </a:p>
           <a:p>
-            <a:pPr marL="114300">
+            <a:pPr>
+              <a:lnSpc>
+                <a:spcPct val="100000"/>
+              </a:lnSpc>
+              <a:spcAft>
+                <a:spcPts val="0"/>
+              </a:spcAft>
               <a:buNone/>
             </a:pPr>
             <a:r>
@@ -7620,18 +7650,520 @@
                 <a:latin typeface="Courier New" panose="02070309020205020404" pitchFamily="49" charset="0"/>
                 <a:cs typeface="Courier New" panose="02070309020205020404" pitchFamily="49" charset="0"/>
               </a:rPr>
-              <a:t>e.g. </a:t>
+              <a:t>   e.g</a:t>
             </a:r>
             <a:r>
-              <a:rPr lang="it-IT" sz="800" smtClean="0">
+              <a:rPr lang="it-IT" sz="800" dirty="0" smtClean="0">
                 <a:solidFill>
                   <a:srgbClr val="FA8006"/>
                 </a:solidFill>
                 <a:latin typeface="Courier New" panose="02070309020205020404" pitchFamily="49" charset="0"/>
                 <a:cs typeface="Courier New" panose="02070309020205020404" pitchFamily="49" charset="0"/>
               </a:rPr>
-              <a:t>getForeGroundColor()</a:t>
+              <a:t>. </a:t>
             </a:r>
+            <a:r>
+              <a:rPr lang="it-IT" sz="800" dirty="0">
+                <a:solidFill>
+                  <a:srgbClr val="FA8006"/>
+                </a:solidFill>
+                <a:latin typeface="Courier New" panose="02070309020205020404" pitchFamily="49" charset="0"/>
+                <a:cs typeface="Courier New" panose="02070309020205020404" pitchFamily="49" charset="0"/>
+              </a:rPr>
+              <a:t> </a:t>
+            </a:r>
+            <a:r>
+              <a:rPr lang="it-IT" sz="800" dirty="0" smtClean="0">
+                <a:solidFill>
+                  <a:srgbClr val="FA8006"/>
+                </a:solidFill>
+                <a:latin typeface="Courier New" panose="02070309020205020404" pitchFamily="49" charset="0"/>
+                <a:cs typeface="Courier New" panose="02070309020205020404" pitchFamily="49" charset="0"/>
+              </a:rPr>
+              <a:t> </a:t>
+            </a:r>
+          </a:p>
+          <a:p>
+            <a:pPr>
+              <a:lnSpc>
+                <a:spcPct val="100000"/>
+              </a:lnSpc>
+              <a:spcAft>
+                <a:spcPts val="0"/>
+              </a:spcAft>
+              <a:buNone/>
+            </a:pPr>
+            <a:r>
+              <a:rPr lang="it-IT" sz="800" dirty="0" smtClean="0">
+                <a:solidFill>
+                  <a:srgbClr val="FA8006"/>
+                </a:solidFill>
+                <a:latin typeface="Courier New" panose="02070309020205020404" pitchFamily="49" charset="0"/>
+                <a:cs typeface="Courier New" panose="02070309020205020404" pitchFamily="49" charset="0"/>
+              </a:rPr>
+              <a:t>        ...</a:t>
+            </a:r>
+          </a:p>
+          <a:p>
+            <a:pPr>
+              <a:lnSpc>
+                <a:spcPct val="100000"/>
+              </a:lnSpc>
+              <a:spcAft>
+                <a:spcPts val="0"/>
+              </a:spcAft>
+              <a:buNone/>
+            </a:pPr>
+            <a:r>
+              <a:rPr lang="it-IT" sz="800" dirty="0">
+                <a:solidFill>
+                  <a:srgbClr val="FA8006"/>
+                </a:solidFill>
+                <a:latin typeface="Courier New" panose="02070309020205020404" pitchFamily="49" charset="0"/>
+                <a:cs typeface="Courier New" panose="02070309020205020404" pitchFamily="49" charset="0"/>
+              </a:rPr>
+              <a:t> </a:t>
+            </a:r>
+            <a:r>
+              <a:rPr lang="it-IT" sz="800" dirty="0" smtClean="0">
+                <a:solidFill>
+                  <a:srgbClr val="FA8006"/>
+                </a:solidFill>
+                <a:latin typeface="Courier New" panose="02070309020205020404" pitchFamily="49" charset="0"/>
+                <a:cs typeface="Courier New" panose="02070309020205020404" pitchFamily="49" charset="0"/>
+              </a:rPr>
+              <a:t>       </a:t>
+            </a:r>
+            <a:r>
+              <a:rPr lang="it-IT" sz="800" b="1" dirty="0" smtClean="0">
+                <a:solidFill>
+                  <a:srgbClr val="FF0000"/>
+                </a:solidFill>
+                <a:latin typeface="Courier New" panose="02070309020205020404" pitchFamily="49" charset="0"/>
+                <a:cs typeface="Courier New" panose="02070309020205020404" pitchFamily="49" charset="0"/>
+              </a:rPr>
+              <a:t>if </a:t>
+            </a:r>
+            <a:r>
+              <a:rPr lang="it-IT" sz="800" b="1" dirty="0">
+                <a:solidFill>
+                  <a:srgbClr val="FF0000"/>
+                </a:solidFill>
+                <a:latin typeface="Courier New" panose="02070309020205020404" pitchFamily="49" charset="0"/>
+                <a:cs typeface="Courier New" panose="02070309020205020404" pitchFamily="49" charset="0"/>
+              </a:rPr>
+              <a:t>(</a:t>
+            </a:r>
+            <a:r>
+              <a:rPr lang="it-IT" sz="800" b="1" smtClean="0">
+                <a:solidFill>
+                  <a:srgbClr val="FF0000"/>
+                </a:solidFill>
+                <a:latin typeface="Courier New" panose="02070309020205020404" pitchFamily="49" charset="0"/>
+                <a:cs typeface="Courier New" panose="02070309020205020404" pitchFamily="49" charset="0"/>
+              </a:rPr>
+              <a:t>taskName.indexOf("Important</a:t>
+            </a:r>
+            <a:r>
+              <a:rPr lang="it-IT" sz="800" b="1" dirty="0" smtClean="0">
+                <a:solidFill>
+                  <a:srgbClr val="FF0000"/>
+                </a:solidFill>
+                <a:latin typeface="Courier New" panose="02070309020205020404" pitchFamily="49" charset="0"/>
+                <a:cs typeface="Courier New" panose="02070309020205020404" pitchFamily="49" charset="0"/>
+              </a:rPr>
+              <a:t>") != -1)</a:t>
+            </a:r>
+            <a:endParaRPr lang="it-IT" sz="800" b="1" dirty="0">
+              <a:solidFill>
+                <a:srgbClr val="FF0000"/>
+              </a:solidFill>
+              <a:latin typeface="Courier New" panose="02070309020205020404" pitchFamily="49" charset="0"/>
+              <a:cs typeface="Courier New" panose="02070309020205020404" pitchFamily="49" charset="0"/>
+            </a:endParaRPr>
+          </a:p>
+          <a:p>
+            <a:pPr>
+              <a:lnSpc>
+                <a:spcPct val="100000"/>
+              </a:lnSpc>
+              <a:spcAft>
+                <a:spcPts val="0"/>
+              </a:spcAft>
+              <a:buNone/>
+            </a:pPr>
+            <a:r>
+              <a:rPr lang="it-IT" sz="800" b="1" dirty="0" smtClean="0">
+                <a:solidFill>
+                  <a:srgbClr val="FF0000"/>
+                </a:solidFill>
+                <a:latin typeface="Courier New" panose="02070309020205020404" pitchFamily="49" charset="0"/>
+                <a:cs typeface="Courier New" panose="02070309020205020404" pitchFamily="49" charset="0"/>
+              </a:rPr>
+              <a:t>        {</a:t>
+            </a:r>
+            <a:endParaRPr lang="it-IT" sz="800" b="1" dirty="0">
+              <a:solidFill>
+                <a:srgbClr val="FF0000"/>
+              </a:solidFill>
+              <a:latin typeface="Courier New" panose="02070309020205020404" pitchFamily="49" charset="0"/>
+              <a:cs typeface="Courier New" panose="02070309020205020404" pitchFamily="49" charset="0"/>
+            </a:endParaRPr>
+          </a:p>
+          <a:p>
+            <a:pPr>
+              <a:lnSpc>
+                <a:spcPct val="100000"/>
+              </a:lnSpc>
+              <a:spcAft>
+                <a:spcPts val="0"/>
+              </a:spcAft>
+              <a:buNone/>
+            </a:pPr>
+            <a:r>
+              <a:rPr lang="it-IT" sz="800" b="1" dirty="0" smtClean="0">
+                <a:solidFill>
+                  <a:srgbClr val="FF0000"/>
+                </a:solidFill>
+                <a:latin typeface="Courier New" panose="02070309020205020404" pitchFamily="49" charset="0"/>
+                <a:cs typeface="Courier New" panose="02070309020205020404" pitchFamily="49" charset="0"/>
+              </a:rPr>
+              <a:t>           task.taskColor </a:t>
+            </a:r>
+            <a:r>
+              <a:rPr lang="it-IT" sz="800" b="1" dirty="0">
+                <a:solidFill>
+                  <a:srgbClr val="FF0000"/>
+                </a:solidFill>
+                <a:latin typeface="Courier New" panose="02070309020205020404" pitchFamily="49" charset="0"/>
+                <a:cs typeface="Courier New" panose="02070309020205020404" pitchFamily="49" charset="0"/>
+              </a:rPr>
+              <a:t>= </a:t>
+            </a:r>
+            <a:r>
+              <a:rPr lang="it-IT" sz="800" b="1" dirty="0" smtClean="0">
+                <a:solidFill>
+                  <a:srgbClr val="FF0000"/>
+                </a:solidFill>
+                <a:latin typeface="Courier New" panose="02070309020205020404" pitchFamily="49" charset="0"/>
+                <a:cs typeface="Courier New" panose="02070309020205020404" pitchFamily="49" charset="0"/>
+              </a:rPr>
+              <a:t>"red";</a:t>
+            </a:r>
+            <a:endParaRPr lang="it-IT" sz="800" b="1" dirty="0">
+              <a:solidFill>
+                <a:srgbClr val="FF0000"/>
+              </a:solidFill>
+              <a:latin typeface="Courier New" panose="02070309020205020404" pitchFamily="49" charset="0"/>
+              <a:cs typeface="Courier New" panose="02070309020205020404" pitchFamily="49" charset="0"/>
+            </a:endParaRPr>
+          </a:p>
+          <a:p>
+            <a:pPr>
+              <a:lnSpc>
+                <a:spcPct val="100000"/>
+              </a:lnSpc>
+              <a:spcAft>
+                <a:spcPts val="0"/>
+              </a:spcAft>
+              <a:buNone/>
+            </a:pPr>
+            <a:r>
+              <a:rPr lang="it-IT" sz="800" b="1" dirty="0" smtClean="0">
+                <a:solidFill>
+                  <a:srgbClr val="FF0000"/>
+                </a:solidFill>
+                <a:latin typeface="Courier New" panose="02070309020205020404" pitchFamily="49" charset="0"/>
+                <a:cs typeface="Courier New" panose="02070309020205020404" pitchFamily="49" charset="0"/>
+              </a:rPr>
+              <a:t>           task.taskSize </a:t>
+            </a:r>
+            <a:r>
+              <a:rPr lang="it-IT" sz="800" b="1" dirty="0">
+                <a:solidFill>
+                  <a:srgbClr val="FF0000"/>
+                </a:solidFill>
+                <a:latin typeface="Courier New" panose="02070309020205020404" pitchFamily="49" charset="0"/>
+                <a:cs typeface="Courier New" panose="02070309020205020404" pitchFamily="49" charset="0"/>
+              </a:rPr>
+              <a:t>= "</a:t>
+            </a:r>
+            <a:r>
+              <a:rPr lang="it-IT" sz="800" b="1" dirty="0" smtClean="0">
+                <a:solidFill>
+                  <a:srgbClr val="FF0000"/>
+                </a:solidFill>
+                <a:latin typeface="Courier New" panose="02070309020205020404" pitchFamily="49" charset="0"/>
+                <a:cs typeface="Courier New" panose="02070309020205020404" pitchFamily="49" charset="0"/>
+              </a:rPr>
+              <a:t>120%";</a:t>
+            </a:r>
+            <a:endParaRPr lang="it-IT" sz="800" b="1" dirty="0">
+              <a:solidFill>
+                <a:srgbClr val="FF0000"/>
+              </a:solidFill>
+              <a:latin typeface="Courier New" panose="02070309020205020404" pitchFamily="49" charset="0"/>
+              <a:cs typeface="Courier New" panose="02070309020205020404" pitchFamily="49" charset="0"/>
+            </a:endParaRPr>
+          </a:p>
+          <a:p>
+            <a:pPr>
+              <a:lnSpc>
+                <a:spcPct val="100000"/>
+              </a:lnSpc>
+              <a:spcAft>
+                <a:spcPts val="0"/>
+              </a:spcAft>
+              <a:buNone/>
+            </a:pPr>
+            <a:r>
+              <a:rPr lang="it-IT" sz="800" b="1" dirty="0" smtClean="0">
+                <a:solidFill>
+                  <a:srgbClr val="FF0000"/>
+                </a:solidFill>
+                <a:latin typeface="Courier New" panose="02070309020205020404" pitchFamily="49" charset="0"/>
+                <a:cs typeface="Courier New" panose="02070309020205020404" pitchFamily="49" charset="0"/>
+              </a:rPr>
+              <a:t>        }</a:t>
+            </a:r>
+            <a:endParaRPr lang="it-IT" sz="800" b="1" dirty="0">
+              <a:solidFill>
+                <a:srgbClr val="FF0000"/>
+              </a:solidFill>
+              <a:latin typeface="Courier New" panose="02070309020205020404" pitchFamily="49" charset="0"/>
+              <a:cs typeface="Courier New" panose="02070309020205020404" pitchFamily="49" charset="0"/>
+            </a:endParaRPr>
+          </a:p>
+          <a:p>
+            <a:pPr>
+              <a:lnSpc>
+                <a:spcPct val="100000"/>
+              </a:lnSpc>
+              <a:spcAft>
+                <a:spcPts val="0"/>
+              </a:spcAft>
+              <a:buNone/>
+            </a:pPr>
+            <a:r>
+              <a:rPr lang="it-IT" sz="800" b="1" dirty="0">
+                <a:solidFill>
+                  <a:srgbClr val="FF0000"/>
+                </a:solidFill>
+                <a:latin typeface="Courier New" panose="02070309020205020404" pitchFamily="49" charset="0"/>
+                <a:cs typeface="Courier New" panose="02070309020205020404" pitchFamily="49" charset="0"/>
+              </a:rPr>
+              <a:t>        </a:t>
+            </a:r>
+            <a:r>
+              <a:rPr lang="it-IT" sz="800" b="1" dirty="0" smtClean="0">
+                <a:solidFill>
+                  <a:srgbClr val="FF0000"/>
+                </a:solidFill>
+                <a:latin typeface="Courier New" panose="02070309020205020404" pitchFamily="49" charset="0"/>
+                <a:cs typeface="Courier New" panose="02070309020205020404" pitchFamily="49" charset="0"/>
+              </a:rPr>
+              <a:t>else </a:t>
+            </a:r>
+            <a:r>
+              <a:rPr lang="it-IT" sz="800" dirty="0" smtClean="0">
+                <a:solidFill>
+                  <a:srgbClr val="FA8006"/>
+                </a:solidFill>
+                <a:latin typeface="Courier New" panose="02070309020205020404" pitchFamily="49" charset="0"/>
+                <a:cs typeface="Courier New" panose="02070309020205020404" pitchFamily="49" charset="0"/>
+              </a:rPr>
+              <a:t>if (</a:t>
+            </a:r>
+            <a:r>
+              <a:rPr lang="it-IT" sz="800" dirty="0">
+                <a:solidFill>
+                  <a:srgbClr val="FA8006"/>
+                </a:solidFill>
+                <a:latin typeface="Courier New" panose="02070309020205020404" pitchFamily="49" charset="0"/>
+                <a:cs typeface="Courier New" panose="02070309020205020404" pitchFamily="49" charset="0"/>
+              </a:rPr>
+              <a:t>taskName != "")</a:t>
+            </a:r>
+            <a:r>
+              <a:rPr lang="it-IT" sz="800" dirty="0" smtClean="0">
+                <a:solidFill>
+                  <a:srgbClr val="FA8006"/>
+                </a:solidFill>
+                <a:latin typeface="Courier New" panose="02070309020205020404" pitchFamily="49" charset="0"/>
+                <a:cs typeface="Courier New" panose="02070309020205020404" pitchFamily="49" charset="0"/>
+              </a:rPr>
+              <a:t>)</a:t>
+            </a:r>
+            <a:endParaRPr lang="it-IT" sz="800" dirty="0">
+              <a:solidFill>
+                <a:srgbClr val="FA8006"/>
+              </a:solidFill>
+              <a:latin typeface="Courier New" panose="02070309020205020404" pitchFamily="49" charset="0"/>
+              <a:cs typeface="Courier New" panose="02070309020205020404" pitchFamily="49" charset="0"/>
+            </a:endParaRPr>
+          </a:p>
+          <a:p>
+            <a:pPr>
+              <a:lnSpc>
+                <a:spcPct val="100000"/>
+              </a:lnSpc>
+              <a:spcAft>
+                <a:spcPts val="0"/>
+              </a:spcAft>
+              <a:buNone/>
+            </a:pPr>
+            <a:r>
+              <a:rPr lang="it-IT" sz="800" dirty="0">
+                <a:solidFill>
+                  <a:srgbClr val="FA8006"/>
+                </a:solidFill>
+                <a:latin typeface="Courier New" panose="02070309020205020404" pitchFamily="49" charset="0"/>
+                <a:cs typeface="Courier New" panose="02070309020205020404" pitchFamily="49" charset="0"/>
+              </a:rPr>
+              <a:t>        </a:t>
+            </a:r>
+            <a:r>
+              <a:rPr lang="it-IT" sz="800" dirty="0" smtClean="0">
+                <a:solidFill>
+                  <a:srgbClr val="FA8006"/>
+                </a:solidFill>
+                <a:latin typeface="Courier New" panose="02070309020205020404" pitchFamily="49" charset="0"/>
+                <a:cs typeface="Courier New" panose="02070309020205020404" pitchFamily="49" charset="0"/>
+              </a:rPr>
+              <a:t>{</a:t>
+            </a:r>
+            <a:endParaRPr lang="it-IT" sz="800" dirty="0">
+              <a:solidFill>
+                <a:srgbClr val="FA8006"/>
+              </a:solidFill>
+              <a:latin typeface="Courier New" panose="02070309020205020404" pitchFamily="49" charset="0"/>
+              <a:cs typeface="Courier New" panose="02070309020205020404" pitchFamily="49" charset="0"/>
+            </a:endParaRPr>
+          </a:p>
+          <a:p>
+            <a:pPr>
+              <a:lnSpc>
+                <a:spcPct val="100000"/>
+              </a:lnSpc>
+              <a:spcAft>
+                <a:spcPts val="0"/>
+              </a:spcAft>
+              <a:buNone/>
+            </a:pPr>
+            <a:r>
+              <a:rPr lang="it-IT" sz="800" dirty="0">
+                <a:solidFill>
+                  <a:srgbClr val="FA8006"/>
+                </a:solidFill>
+                <a:latin typeface="Courier New" panose="02070309020205020404" pitchFamily="49" charset="0"/>
+                <a:cs typeface="Courier New" panose="02070309020205020404" pitchFamily="49" charset="0"/>
+              </a:rPr>
+              <a:t>           task.taskColor = "black";</a:t>
+            </a:r>
+          </a:p>
+          <a:p>
+            <a:pPr>
+              <a:lnSpc>
+                <a:spcPct val="100000"/>
+              </a:lnSpc>
+              <a:spcAft>
+                <a:spcPts val="0"/>
+              </a:spcAft>
+              <a:buNone/>
+            </a:pPr>
+            <a:r>
+              <a:rPr lang="it-IT" sz="800" dirty="0">
+                <a:solidFill>
+                  <a:srgbClr val="FA8006"/>
+                </a:solidFill>
+                <a:latin typeface="Courier New" panose="02070309020205020404" pitchFamily="49" charset="0"/>
+                <a:cs typeface="Courier New" panose="02070309020205020404" pitchFamily="49" charset="0"/>
+              </a:rPr>
+              <a:t>           task.taskSize = "100</a:t>
+            </a:r>
+            <a:r>
+              <a:rPr lang="it-IT" sz="800" dirty="0" smtClean="0">
+                <a:solidFill>
+                  <a:srgbClr val="FA8006"/>
+                </a:solidFill>
+                <a:latin typeface="Courier New" panose="02070309020205020404" pitchFamily="49" charset="0"/>
+                <a:cs typeface="Courier New" panose="02070309020205020404" pitchFamily="49" charset="0"/>
+              </a:rPr>
+              <a:t>%";</a:t>
+            </a:r>
+          </a:p>
+          <a:p>
+            <a:pPr>
+              <a:lnSpc>
+                <a:spcPct val="100000"/>
+              </a:lnSpc>
+              <a:spcAft>
+                <a:spcPts val="0"/>
+              </a:spcAft>
+              <a:buNone/>
+            </a:pPr>
+            <a:r>
+              <a:rPr lang="it-IT" sz="800" dirty="0">
+                <a:solidFill>
+                  <a:srgbClr val="FA8006"/>
+                </a:solidFill>
+                <a:latin typeface="Courier New" panose="02070309020205020404" pitchFamily="49" charset="0"/>
+                <a:cs typeface="Courier New" panose="02070309020205020404" pitchFamily="49" charset="0"/>
+              </a:rPr>
+              <a:t> </a:t>
+            </a:r>
+            <a:r>
+              <a:rPr lang="it-IT" sz="800" dirty="0" smtClean="0">
+                <a:solidFill>
+                  <a:srgbClr val="FA8006"/>
+                </a:solidFill>
+                <a:latin typeface="Courier New" panose="02070309020205020404" pitchFamily="49" charset="0"/>
+                <a:cs typeface="Courier New" panose="02070309020205020404" pitchFamily="49" charset="0"/>
+              </a:rPr>
+              <a:t>       }</a:t>
+            </a:r>
+          </a:p>
+          <a:p>
+            <a:pPr>
+              <a:lnSpc>
+                <a:spcPct val="100000"/>
+              </a:lnSpc>
+              <a:spcAft>
+                <a:spcPts val="0"/>
+              </a:spcAft>
+              <a:buNone/>
+            </a:pPr>
+            <a:r>
+              <a:rPr lang="it-IT" sz="800" dirty="0">
+                <a:solidFill>
+                  <a:srgbClr val="FA8006"/>
+                </a:solidFill>
+                <a:latin typeface="Courier New" panose="02070309020205020404" pitchFamily="49" charset="0"/>
+                <a:cs typeface="Courier New" panose="02070309020205020404" pitchFamily="49" charset="0"/>
+              </a:rPr>
+              <a:t> </a:t>
+            </a:r>
+            <a:r>
+              <a:rPr lang="it-IT" sz="800" dirty="0" smtClean="0">
+                <a:solidFill>
+                  <a:srgbClr val="FA8006"/>
+                </a:solidFill>
+                <a:latin typeface="Courier New" panose="02070309020205020404" pitchFamily="49" charset="0"/>
+                <a:cs typeface="Courier New" panose="02070309020205020404" pitchFamily="49" charset="0"/>
+              </a:rPr>
+              <a:t>       ...</a:t>
+            </a:r>
+          </a:p>
+          <a:p>
+            <a:pPr>
+              <a:lnSpc>
+                <a:spcPct val="100000"/>
+              </a:lnSpc>
+              <a:spcAft>
+                <a:spcPts val="0"/>
+              </a:spcAft>
+              <a:buNone/>
+            </a:pPr>
             <a:endParaRPr lang="en" dirty="0"/>
           </a:p>
         </p:txBody>
@@ -15573,7 +16105,31 @@
                   <a:srgbClr val="FFFFFF"/>
                 </a:solidFill>
               </a:rPr>
-              <a:t>Programming a virtual OS in a Structured Language</a:t>
+              <a:t>Programming </a:t>
+            </a:r>
+            <a:r>
+              <a:rPr lang="en" i="1" dirty="0" smtClean="0">
+                <a:solidFill>
+                  <a:srgbClr val="FFFFFF"/>
+                </a:solidFill>
+              </a:rPr>
+              <a:t>Task List W</a:t>
+            </a:r>
+            <a:r>
+              <a:rPr lang="it-IT" i="1" dirty="0" smtClean="0">
+                <a:solidFill>
+                  <a:srgbClr val="FFFFFF"/>
+                </a:solidFill>
+              </a:rPr>
+              <a:t>e</a:t>
+            </a:r>
+            <a:r>
+              <a:rPr lang="en" i="1" dirty="0" smtClean="0">
+                <a:solidFill>
+                  <a:srgbClr val="FFFFFF"/>
+                </a:solidFill>
+              </a:rPr>
+              <a:t>b App</a:t>
             </a:r>
             <a:endParaRPr lang="en" i="1" dirty="0">
               <a:solidFill>
